--- a/notes/sockets.pptx
+++ b/notes/sockets.pptx
@@ -4238,7 +4238,7 @@
           <a:p>
             <a:r>
               <a:rPr lang="en-US" dirty="0"/>
-              <a:t>Behind firewalls, people often use 192.168.x.y and use NAT (</a:t>
+              <a:t>Behind firewalls, people often use 192.168.x.y or 10.10.10.x and use NAT (</a:t>
             </a:r>
             <a:r>
               <a:rPr lang="en-US" i="1" dirty="0"/>
@@ -4370,15 +4370,7 @@
           <a:p>
             <a:r>
               <a:rPr lang="en-US" dirty="0"/>
-              <a:t>That is one reason you cannot use an IP address to identify users for a web server </a:t>
-            </a:r>
-            <a:r>
-              <a:rPr lang="en-US" dirty="0" err="1"/>
-              <a:t>applicatio</a:t>
-            </a:r>
-            <a:r>
-              <a:rPr lang="en-US" dirty="0"/>
-              <a:t>.</a:t>
+              <a:t>That is one reason you cannot use an IP address to identify users for a web server application</a:t>
             </a:r>
           </a:p>
         </p:txBody>
@@ -4506,6 +4498,48 @@
           </a:prstGeom>
         </p:spPr>
       </p:pic>
+      <p:sp>
+        <p:nvSpPr>
+          <p:cNvPr id="8" name="TextBox 7">
+            <a:extLst>
+              <a:ext uri="{FF2B5EF4-FFF2-40B4-BE49-F238E27FC236}">
+                <a16:creationId xmlns:a16="http://schemas.microsoft.com/office/drawing/2014/main" id="{D77E46E0-F538-3548-8DBC-4AC0F27F75C4}"/>
+              </a:ext>
+            </a:extLst>
+          </p:cNvPr>
+          <p:cNvSpPr txBox="1"/>
+          <p:nvPr/>
+        </p:nvSpPr>
+        <p:spPr>
+          <a:xfrm>
+            <a:off x="-44286" y="6488668"/>
+            <a:ext cx="7560083" cy="338554"/>
+          </a:xfrm>
+          <a:prstGeom prst="rect">
+            <a:avLst/>
+          </a:prstGeom>
+          <a:noFill/>
+        </p:spPr>
+        <p:txBody>
+          <a:bodyPr wrap="none" rtlCol="0">
+            <a:spAutoFit/>
+          </a:bodyPr>
+          <a:lstStyle/>
+          <a:p>
+            <a:r>
+              <a:rPr lang="en-US" sz="1600" dirty="0"/>
+              <a:t>Solutions are in </a:t>
+            </a:r>
+            <a:r>
+              <a:rPr lang="en-US" sz="1600" dirty="0">
+                <a:hlinkClick r:id="rId4"/>
+              </a:rPr>
+              <a:t>https://github.com/parrt/msds692/tree/master/notes/code/sockets</a:t>
+            </a:r>
+            <a:endParaRPr lang="en-US" sz="1600" dirty="0"/>
+          </a:p>
+        </p:txBody>
+      </p:sp>
     </p:spTree>
     <p:extLst>
       <p:ext uri="{BB962C8B-B14F-4D97-AF65-F5344CB8AC3E}">
@@ -4726,6 +4760,48 @@
           </a:xfrm>
         </p:spPr>
       </p:pic>
+      <p:sp>
+        <p:nvSpPr>
+          <p:cNvPr id="6" name="TextBox 5">
+            <a:extLst>
+              <a:ext uri="{FF2B5EF4-FFF2-40B4-BE49-F238E27FC236}">
+                <a16:creationId xmlns:a16="http://schemas.microsoft.com/office/drawing/2014/main" id="{DC7C8D0F-9BFA-254A-8278-F071B3CA2D16}"/>
+              </a:ext>
+            </a:extLst>
+          </p:cNvPr>
+          <p:cNvSpPr txBox="1"/>
+          <p:nvPr/>
+        </p:nvSpPr>
+        <p:spPr>
+          <a:xfrm>
+            <a:off x="-44286" y="6488668"/>
+            <a:ext cx="7560083" cy="338554"/>
+          </a:xfrm>
+          <a:prstGeom prst="rect">
+            <a:avLst/>
+          </a:prstGeom>
+          <a:noFill/>
+        </p:spPr>
+        <p:txBody>
+          <a:bodyPr wrap="none" rtlCol="0">
+            <a:spAutoFit/>
+          </a:bodyPr>
+          <a:lstStyle/>
+          <a:p>
+            <a:r>
+              <a:rPr lang="en-US" sz="1600" dirty="0"/>
+              <a:t>Solutions are in </a:t>
+            </a:r>
+            <a:r>
+              <a:rPr lang="en-US" sz="1600" dirty="0">
+                <a:hlinkClick r:id="rId3"/>
+              </a:rPr>
+              <a:t>https://github.com/parrt/msds692/tree/master/notes/code/sockets</a:t>
+            </a:r>
+            <a:endParaRPr lang="en-US" sz="1600" dirty="0"/>
+          </a:p>
+        </p:txBody>
+      </p:sp>
     </p:spTree>
     <p:extLst>
       <p:ext uri="{BB962C8B-B14F-4D97-AF65-F5344CB8AC3E}">
@@ -4835,7 +4911,7 @@
           <a:p>
             <a:r>
               <a:rPr lang="en-US" dirty="0"/>
-              <a:t>If we didn't have DNS, we would all have to memorize a constantly shifting set of IP addresses (as we did before smart phones)</a:t>
+              <a:t>If we didn't have DNS, we would all have to memorize a constantly shifting set of IP addresses (as before smart phones)</a:t>
             </a:r>
             <a:br>
               <a:rPr lang="en-US" dirty="0"/>
@@ -5212,9 +5288,16 @@
             <p:ph idx="1"/>
           </p:nvPr>
         </p:nvSpPr>
-        <p:spPr/>
-        <p:txBody>
-          <a:bodyPr/>
+        <p:spPr>
+          <a:xfrm>
+            <a:off x="838200" y="1825625"/>
+            <a:ext cx="10683240" cy="4351338"/>
+          </a:xfrm>
+        </p:spPr>
+        <p:txBody>
+          <a:bodyPr>
+            <a:normAutofit/>
+          </a:bodyPr>
           <a:lstStyle/>
           <a:p>
             <a:r>
@@ -5228,16 +5311,8 @@
           </a:p>
           <a:p>
             <a:r>
-              <a:rPr lang="en-US" i="1" dirty="0" err="1"/>
-              <a:t>T</a:t>
-            </a:r>
-            <a:r>
-              <a:rPr lang="en-US" dirty="0" err="1"/>
-              <a:t>the</a:t>
-            </a:r>
-            <a:r>
-              <a:rPr lang="en-US" dirty="0"/>
-              <a:t> IP address and socket number uniquely identify an "office" (server process)</a:t>
+              <a:rPr lang="en-US" dirty="0"/>
+              <a:t>The IP address and socket number uniquely identify an "office" (server process)</a:t>
             </a:r>
           </a:p>
           <a:p>
@@ -5250,6 +5325,12 @@
             <a:r>
               <a:rPr lang="en-US" dirty="0"/>
               <a:t>We open sockets to ports in order to communicate with servers</a:t>
+            </a:r>
+          </a:p>
+          <a:p>
+            <a:r>
+              <a:rPr lang="en-US" dirty="0"/>
+              <a:t>Terms socket and port are often synonymous in common speech</a:t>
             </a:r>
           </a:p>
         </p:txBody>
@@ -5459,7 +5540,7 @@
           <a:p>
             <a:r>
               <a:rPr lang="en-US" dirty="0"/>
-              <a:t>Ports 1..255 are reserved for common, publicly-defined server ports like:</a:t>
+              <a:t>Ports 1..255 are reserved for common, publicly-defined servers:</a:t>
             </a:r>
           </a:p>
           <a:p>
@@ -7226,39 +7307,31 @@
           <a:p>
             <a:r>
               <a:rPr lang="en-US" dirty="0"/>
-              <a:t>You write a </a:t>
-            </a:r>
-            <a:r>
-              <a:rPr lang="en-US" dirty="0" err="1"/>
-              <a:t>mutli</a:t>
-            </a:r>
-            <a:r>
-              <a:rPr lang="en-US" dirty="0"/>
-              <a:t>-page letter (this is the data you are sending)</a:t>
-            </a:r>
-          </a:p>
-          <a:p>
-            <a:r>
-              <a:rPr lang="en-US" dirty="0"/>
-              <a:t>Put each page of the letter inside a different envelope (the IP packet)</a:t>
-            </a:r>
-          </a:p>
-          <a:p>
-            <a:r>
-              <a:rPr lang="en-US" dirty="0"/>
-              <a:t>Address the envelope (using an IP address)</a:t>
-            </a:r>
-          </a:p>
-          <a:p>
-            <a:r>
-              <a:rPr lang="en-US" dirty="0"/>
-              <a:t>Put your return address on the envelope (your local IP address)</a:t>
-            </a:r>
-          </a:p>
-          <a:p>
-            <a:r>
-              <a:rPr lang="en-US" dirty="0"/>
-              <a:t>Send the letter</a:t>
+              <a:t>You write a multi-page letter (this is the data you are sending)</a:t>
+            </a:r>
+          </a:p>
+          <a:p>
+            <a:r>
+              <a:rPr lang="en-US" dirty="0"/>
+              <a:t>Put each page of letter inside different envelope (the IP packet)</a:t>
+            </a:r>
+          </a:p>
+          <a:p>
+            <a:r>
+              <a:rPr lang="en-US" dirty="0"/>
+              <a:t>Address envelope (using an IP address)</a:t>
+            </a:r>
+          </a:p>
+          <a:p>
+            <a:r>
+              <a:rPr lang="en-US" dirty="0"/>
+              <a:t>Put return address on the envelope (your local IP address)</a:t>
+            </a:r>
+          </a:p>
+          <a:p>
+            <a:r>
+              <a:rPr lang="en-US" dirty="0"/>
+              <a:t>Send letter</a:t>
             </a:r>
           </a:p>
         </p:txBody>

--- a/notes/sockets.pptx
+++ b/notes/sockets.pptx
@@ -231,7 +231,7 @@
           <a:p>
             <a:fld id="{8A1B613A-EFF1-404F-BEE8-EFAE84A4E5E2}" type="datetimeFigureOut">
               <a:rPr lang="en-US" smtClean="0"/>
-              <a:t>9/13/21</a:t>
+              <a:t>9/14/21</a:t>
             </a:fld>
             <a:endParaRPr lang="en-US"/>
           </a:p>
@@ -396,7 +396,7 @@
           <a:p>
             <a:fld id="{690847EA-AC25-3D4E-89E1-FD3F6A9702B6}" type="datetimeFigureOut">
               <a:rPr lang="en-US" smtClean="0"/>
-              <a:t>9/13/21</a:t>
+              <a:t>9/14/21</a:t>
             </a:fld>
             <a:endParaRPr lang="en-US"/>
           </a:p>
@@ -810,7 +810,7 @@
           <a:p>
             <a:fld id="{BE5295ED-3BAF-1140-8495-3D368771D6B1}" type="datetimeFigureOut">
               <a:rPr lang="en-US" smtClean="0"/>
-              <a:t>9/13/21</a:t>
+              <a:t>9/14/21</a:t>
             </a:fld>
             <a:endParaRPr lang="en-US"/>
           </a:p>
@@ -1008,7 +1008,7 @@
           <a:p>
             <a:fld id="{BE5295ED-3BAF-1140-8495-3D368771D6B1}" type="datetimeFigureOut">
               <a:rPr lang="en-US" smtClean="0"/>
-              <a:t>9/13/21</a:t>
+              <a:t>9/14/21</a:t>
             </a:fld>
             <a:endParaRPr lang="en-US"/>
           </a:p>
@@ -1216,7 +1216,7 @@
           <a:p>
             <a:fld id="{BE5295ED-3BAF-1140-8495-3D368771D6B1}" type="datetimeFigureOut">
               <a:rPr lang="en-US" smtClean="0"/>
-              <a:t>9/13/21</a:t>
+              <a:t>9/14/21</a:t>
             </a:fld>
             <a:endParaRPr lang="en-US"/>
           </a:p>
@@ -1414,7 +1414,7 @@
           <a:p>
             <a:fld id="{BE5295ED-3BAF-1140-8495-3D368771D6B1}" type="datetimeFigureOut">
               <a:rPr lang="en-US" smtClean="0"/>
-              <a:t>9/13/21</a:t>
+              <a:t>9/14/21</a:t>
             </a:fld>
             <a:endParaRPr lang="en-US"/>
           </a:p>
@@ -1689,7 +1689,7 @@
           <a:p>
             <a:fld id="{BE5295ED-3BAF-1140-8495-3D368771D6B1}" type="datetimeFigureOut">
               <a:rPr lang="en-US" smtClean="0"/>
-              <a:t>9/13/21</a:t>
+              <a:t>9/14/21</a:t>
             </a:fld>
             <a:endParaRPr lang="en-US"/>
           </a:p>
@@ -1954,7 +1954,7 @@
           <a:p>
             <a:fld id="{BE5295ED-3BAF-1140-8495-3D368771D6B1}" type="datetimeFigureOut">
               <a:rPr lang="en-US" smtClean="0"/>
-              <a:t>9/13/21</a:t>
+              <a:t>9/14/21</a:t>
             </a:fld>
             <a:endParaRPr lang="en-US"/>
           </a:p>
@@ -2366,7 +2366,7 @@
           <a:p>
             <a:fld id="{BE5295ED-3BAF-1140-8495-3D368771D6B1}" type="datetimeFigureOut">
               <a:rPr lang="en-US" smtClean="0"/>
-              <a:t>9/13/21</a:t>
+              <a:t>9/14/21</a:t>
             </a:fld>
             <a:endParaRPr lang="en-US"/>
           </a:p>
@@ -2507,7 +2507,7 @@
           <a:p>
             <a:fld id="{BE5295ED-3BAF-1140-8495-3D368771D6B1}" type="datetimeFigureOut">
               <a:rPr lang="en-US" smtClean="0"/>
-              <a:t>9/13/21</a:t>
+              <a:t>9/14/21</a:t>
             </a:fld>
             <a:endParaRPr lang="en-US"/>
           </a:p>
@@ -2620,7 +2620,7 @@
           <a:p>
             <a:fld id="{BE5295ED-3BAF-1140-8495-3D368771D6B1}" type="datetimeFigureOut">
               <a:rPr lang="en-US" smtClean="0"/>
-              <a:t>9/13/21</a:t>
+              <a:t>9/14/21</a:t>
             </a:fld>
             <a:endParaRPr lang="en-US"/>
           </a:p>
@@ -2931,7 +2931,7 @@
           <a:p>
             <a:fld id="{BE5295ED-3BAF-1140-8495-3D368771D6B1}" type="datetimeFigureOut">
               <a:rPr lang="en-US" smtClean="0"/>
-              <a:t>9/13/21</a:t>
+              <a:t>9/14/21</a:t>
             </a:fld>
             <a:endParaRPr lang="en-US"/>
           </a:p>
@@ -3222,7 +3222,7 @@
           <a:p>
             <a:fld id="{BE5295ED-3BAF-1140-8495-3D368771D6B1}" type="datetimeFigureOut">
               <a:rPr lang="en-US" smtClean="0"/>
-              <a:t>9/13/21</a:t>
+              <a:t>9/14/21</a:t>
             </a:fld>
             <a:endParaRPr lang="en-US"/>
           </a:p>
@@ -3463,7 +3463,7 @@
           <a:p>
             <a:fld id="{BE5295ED-3BAF-1140-8495-3D368771D6B1}" type="datetimeFigureOut">
               <a:rPr lang="en-US" smtClean="0"/>
-              <a:t>9/13/21</a:t>
+              <a:t>9/14/21</a:t>
             </a:fld>
             <a:endParaRPr lang="en-US"/>
           </a:p>
@@ -5988,7 +5988,7 @@
               <a:rPr lang="en-US" dirty="0">
                 <a:hlinkClick r:id="rId2"/>
               </a:rPr>
-              <a:t>www.usfca.edu</a:t>
+              <a:t>www.cs.usfca.edu</a:t>
             </a:r>
             <a:r>
               <a:rPr lang="en-US" dirty="0"/>
@@ -6001,11 +6001,11 @@
               <a:rPr lang="en-US" dirty="0">
                 <a:hlinkClick r:id="rId3"/>
               </a:rPr>
-              <a:t>www.cnn.com</a:t>
-            </a:r>
-            <a:r>
-              <a:rPr lang="en-US" dirty="0"/>
-              <a:t> 80</a:t>
+              <a:t>www.openpayments.us</a:t>
+            </a:r>
+            <a:r>
+              <a:rPr lang="en-US"/>
+              <a:t> 80</a:t>
             </a:r>
             <a:br>
               <a:rPr lang="en-US" dirty="0"/>
